--- a/3-课程PPT/心理学实验编程之Inquisit篇-2.pptx
+++ b/3-课程PPT/心理学实验编程之Inquisit篇-2.pptx
@@ -5,7 +5,7 @@
     <p:sldMasterId id="2147483648" r:id="rId1"/>
   </p:sldMasterIdLst>
   <p:notesMasterIdLst>
-    <p:notesMasterId r:id="rId19"/>
+    <p:notesMasterId r:id="rId21"/>
   </p:notesMasterIdLst>
   <p:sldIdLst>
     <p:sldId id="256" r:id="rId2"/>
@@ -25,6 +25,8 @@
     <p:sldId id="282" r:id="rId16"/>
     <p:sldId id="283" r:id="rId17"/>
     <p:sldId id="272" r:id="rId18"/>
+    <p:sldId id="284" r:id="rId19"/>
+    <p:sldId id="285" r:id="rId20"/>
   </p:sldIdLst>
   <p:sldSz cx="12192000" cy="6858000"/>
   <p:notesSz cx="6858000" cy="9144000"/>
@@ -153,6 +155,8 @@
             <p14:sldId id="282"/>
             <p14:sldId id="283"/>
             <p14:sldId id="272"/>
+            <p14:sldId id="284"/>
+            <p14:sldId id="285"/>
           </p14:sldIdLst>
         </p14:section>
       </p14:sectionLst>
@@ -246,7 +250,7 @@
           <a:p>
             <a:fld id="{6F44AA5E-1A0A-430D-BFBF-EE62A0E03735}" type="datetimeFigureOut">
               <a:rPr lang="zh-CN" altLang="en-US" smtClean="0"/>
-              <a:t>2016/11/18</a:t>
+              <a:t>2016/11/22</a:t>
             </a:fld>
             <a:endParaRPr lang="zh-CN" altLang="en-US"/>
           </a:p>
@@ -813,7 +817,7 @@
           <a:p>
             <a:fld id="{9BC7D623-79CF-4C8C-BFDD-8AB8DA94F721}" type="datetimeFigureOut">
               <a:rPr lang="zh-CN" altLang="en-US" smtClean="0"/>
-              <a:t>2016/11/18</a:t>
+              <a:t>2016/11/22</a:t>
             </a:fld>
             <a:endParaRPr lang="zh-CN" altLang="en-US"/>
           </a:p>
@@ -983,7 +987,7 @@
           <a:p>
             <a:fld id="{9BC7D623-79CF-4C8C-BFDD-8AB8DA94F721}" type="datetimeFigureOut">
               <a:rPr lang="zh-CN" altLang="en-US" smtClean="0"/>
-              <a:t>2016/11/18</a:t>
+              <a:t>2016/11/22</a:t>
             </a:fld>
             <a:endParaRPr lang="zh-CN" altLang="en-US"/>
           </a:p>
@@ -1163,7 +1167,7 @@
           <a:p>
             <a:fld id="{9BC7D623-79CF-4C8C-BFDD-8AB8DA94F721}" type="datetimeFigureOut">
               <a:rPr lang="zh-CN" altLang="en-US" smtClean="0"/>
-              <a:t>2016/11/18</a:t>
+              <a:t>2016/11/22</a:t>
             </a:fld>
             <a:endParaRPr lang="zh-CN" altLang="en-US"/>
           </a:p>
@@ -1333,7 +1337,7 @@
           <a:p>
             <a:fld id="{9BC7D623-79CF-4C8C-BFDD-8AB8DA94F721}" type="datetimeFigureOut">
               <a:rPr lang="zh-CN" altLang="en-US" smtClean="0"/>
-              <a:t>2016/11/18</a:t>
+              <a:t>2016/11/22</a:t>
             </a:fld>
             <a:endParaRPr lang="zh-CN" altLang="en-US"/>
           </a:p>
@@ -1579,7 +1583,7 @@
           <a:p>
             <a:fld id="{9BC7D623-79CF-4C8C-BFDD-8AB8DA94F721}" type="datetimeFigureOut">
               <a:rPr lang="zh-CN" altLang="en-US" smtClean="0"/>
-              <a:t>2016/11/18</a:t>
+              <a:t>2016/11/22</a:t>
             </a:fld>
             <a:endParaRPr lang="zh-CN" altLang="en-US"/>
           </a:p>
@@ -1811,7 +1815,7 @@
           <a:p>
             <a:fld id="{9BC7D623-79CF-4C8C-BFDD-8AB8DA94F721}" type="datetimeFigureOut">
               <a:rPr lang="zh-CN" altLang="en-US" smtClean="0"/>
-              <a:t>2016/11/18</a:t>
+              <a:t>2016/11/22</a:t>
             </a:fld>
             <a:endParaRPr lang="zh-CN" altLang="en-US"/>
           </a:p>
@@ -2178,7 +2182,7 @@
           <a:p>
             <a:fld id="{9BC7D623-79CF-4C8C-BFDD-8AB8DA94F721}" type="datetimeFigureOut">
               <a:rPr lang="zh-CN" altLang="en-US" smtClean="0"/>
-              <a:t>2016/11/18</a:t>
+              <a:t>2016/11/22</a:t>
             </a:fld>
             <a:endParaRPr lang="zh-CN" altLang="en-US"/>
           </a:p>
@@ -2296,7 +2300,7 @@
           <a:p>
             <a:fld id="{9BC7D623-79CF-4C8C-BFDD-8AB8DA94F721}" type="datetimeFigureOut">
               <a:rPr lang="zh-CN" altLang="en-US" smtClean="0"/>
-              <a:t>2016/11/18</a:t>
+              <a:t>2016/11/22</a:t>
             </a:fld>
             <a:endParaRPr lang="zh-CN" altLang="en-US"/>
           </a:p>
@@ -2391,7 +2395,7 @@
           <a:p>
             <a:fld id="{9BC7D623-79CF-4C8C-BFDD-8AB8DA94F721}" type="datetimeFigureOut">
               <a:rPr lang="zh-CN" altLang="en-US" smtClean="0"/>
-              <a:t>2016/11/18</a:t>
+              <a:t>2016/11/22</a:t>
             </a:fld>
             <a:endParaRPr lang="zh-CN" altLang="en-US"/>
           </a:p>
@@ -2668,7 +2672,7 @@
           <a:p>
             <a:fld id="{9BC7D623-79CF-4C8C-BFDD-8AB8DA94F721}" type="datetimeFigureOut">
               <a:rPr lang="zh-CN" altLang="en-US" smtClean="0"/>
-              <a:t>2016/11/18</a:t>
+              <a:t>2016/11/22</a:t>
             </a:fld>
             <a:endParaRPr lang="zh-CN" altLang="en-US"/>
           </a:p>
@@ -2921,7 +2925,7 @@
           <a:p>
             <a:fld id="{9BC7D623-79CF-4C8C-BFDD-8AB8DA94F721}" type="datetimeFigureOut">
               <a:rPr lang="zh-CN" altLang="en-US" smtClean="0"/>
-              <a:t>2016/11/18</a:t>
+              <a:t>2016/11/22</a:t>
             </a:fld>
             <a:endParaRPr lang="zh-CN" altLang="en-US"/>
           </a:p>
@@ -3134,7 +3138,7 @@
           <a:p>
             <a:fld id="{9BC7D623-79CF-4C8C-BFDD-8AB8DA94F721}" type="datetimeFigureOut">
               <a:rPr lang="zh-CN" altLang="en-US" smtClean="0"/>
-              <a:t>2016/11/18</a:t>
+              <a:t>2016/11/22</a:t>
             </a:fld>
             <a:endParaRPr lang="zh-CN" altLang="en-US"/>
           </a:p>
@@ -5732,49 +5736,35 @@
                 <a:latin typeface="仿宋" panose="02010609060101010101" pitchFamily="49" charset="-122"/>
                 <a:ea typeface="仿宋" panose="02010609060101010101" pitchFamily="49" charset="-122"/>
               </a:rPr>
-              <a:t>我建立的文档中添加相关项目</a:t>
+              <a:t>我建立的文档中添加相关项目信息，同时将你们选定的文献资料放在你们创建的</a:t>
+            </a:r>
+            <a:r>
+              <a:rPr lang="en-US" altLang="zh-CN" sz="2400" dirty="0" smtClean="0">
+                <a:latin typeface="仿宋" panose="02010609060101010101" pitchFamily="49" charset="-122"/>
+                <a:ea typeface="仿宋" panose="02010609060101010101" pitchFamily="49" charset="-122"/>
+              </a:rPr>
+              <a:t>GitHub</a:t>
             </a:r>
             <a:r>
               <a:rPr lang="zh-CN" altLang="en-US" sz="2400" dirty="0" smtClean="0">
                 <a:latin typeface="仿宋" panose="02010609060101010101" pitchFamily="49" charset="-122"/>
                 <a:ea typeface="仿宋" panose="02010609060101010101" pitchFamily="49" charset="-122"/>
               </a:rPr>
-              <a:t>信息，同时将你们选定的文献资料放在你们创建的</a:t>
+              <a:t>项目中，写一个</a:t>
             </a:r>
             <a:r>
               <a:rPr lang="en-US" altLang="zh-CN" sz="2400" dirty="0" smtClean="0">
                 <a:latin typeface="仿宋" panose="02010609060101010101" pitchFamily="49" charset="-122"/>
                 <a:ea typeface="仿宋" panose="02010609060101010101" pitchFamily="49" charset="-122"/>
               </a:rPr>
-              <a:t>GitHub</a:t>
+              <a:t>MD</a:t>
             </a:r>
             <a:r>
               <a:rPr lang="zh-CN" altLang="en-US" sz="2400" dirty="0" smtClean="0">
                 <a:latin typeface="仿宋" panose="02010609060101010101" pitchFamily="49" charset="-122"/>
                 <a:ea typeface="仿宋" panose="02010609060101010101" pitchFamily="49" charset="-122"/>
               </a:rPr>
-              <a:t>项目中，写一个</a:t>
-            </a:r>
-            <a:r>
-              <a:rPr lang="en-US" altLang="zh-CN" sz="2400" dirty="0" smtClean="0">
-                <a:latin typeface="仿宋" panose="02010609060101010101" pitchFamily="49" charset="-122"/>
-                <a:ea typeface="仿宋" panose="02010609060101010101" pitchFamily="49" charset="-122"/>
-              </a:rPr>
-              <a:t>MD</a:t>
-            </a:r>
-            <a:r>
-              <a:rPr lang="zh-CN" altLang="en-US" sz="2400" dirty="0" smtClean="0">
-                <a:latin typeface="仿宋" panose="02010609060101010101" pitchFamily="49" charset="-122"/>
-                <a:ea typeface="仿宋" panose="02010609060101010101" pitchFamily="49" charset="-122"/>
-              </a:rPr>
-              <a:t>文件，说明你们选定的文献要做什么编程任务（</a:t>
-            </a:r>
-            <a:r>
-              <a:rPr lang="zh-CN" altLang="en-US" sz="2400" dirty="0" smtClean="0">
-                <a:latin typeface="仿宋" panose="02010609060101010101" pitchFamily="49" charset="-122"/>
-                <a:ea typeface="仿宋" panose="02010609060101010101" pitchFamily="49" charset="-122"/>
-              </a:rPr>
-              <a:t>格式如示例，记得要</a:t>
+              <a:t>文件，说明你们选定的文献要做什么编程任务（格式如示例，记得要</a:t>
             </a:r>
             <a:r>
               <a:rPr lang="en-US" altLang="zh-CN" sz="2400" dirty="0" smtClean="0">
@@ -5808,14 +5798,7 @@
                 <a:latin typeface="仿宋" panose="02010609060101010101" pitchFamily="49" charset="-122"/>
                 <a:ea typeface="仿宋" panose="02010609060101010101" pitchFamily="49" charset="-122"/>
               </a:rPr>
-              <a:t>小作业（个人完成）</a:t>
-            </a:r>
-            <a:r>
-              <a:rPr lang="zh-CN" altLang="en-US" dirty="0" smtClean="0">
-                <a:latin typeface="仿宋" panose="02010609060101010101" pitchFamily="49" charset="-122"/>
-                <a:ea typeface="仿宋" panose="02010609060101010101" pitchFamily="49" charset="-122"/>
-              </a:rPr>
-              <a:t>：编制一个实验程序，只包含漂亮的指导语和结束语（越漂亮越好），方式不限，必须能够运行，以</a:t>
+              <a:t>小作业（个人完成）：编制一个实验程序，只包含漂亮的指导语和结束语（越漂亮越好），方式不限，必须能够运行，以</a:t>
             </a:r>
             <a:r>
               <a:rPr lang="en-US" altLang="zh-CN" dirty="0" smtClean="0">
@@ -5933,6 +5916,598 @@
     <p:extLst>
       <p:ext uri="{BB962C8B-B14F-4D97-AF65-F5344CB8AC3E}">
         <p14:creationId xmlns:p14="http://schemas.microsoft.com/office/powerpoint/2010/main" val="3781875163"/>
+      </p:ext>
+    </p:extLst>
+  </p:cSld>
+  <p:clrMapOvr>
+    <a:masterClrMapping/>
+  </p:clrMapOvr>
+  <p:timing>
+    <p:tnLst>
+      <p:par>
+        <p:cTn id="1" dur="indefinite" restart="never" nodeType="tmRoot"/>
+      </p:par>
+    </p:tnLst>
+  </p:timing>
+</p:sld>
+</file>
+
+<file path=ppt/slides/slide18.xml><?xml version="1.0" encoding="utf-8"?>
+<p:sld xmlns:a="http://schemas.openxmlformats.org/drawingml/2006/main" xmlns:r="http://schemas.openxmlformats.org/officeDocument/2006/relationships" xmlns:p="http://schemas.openxmlformats.org/presentationml/2006/main">
+  <p:cSld>
+    <p:spTree>
+      <p:nvGrpSpPr>
+        <p:cNvPr id="1" name=""/>
+        <p:cNvGrpSpPr/>
+        <p:nvPr/>
+      </p:nvGrpSpPr>
+      <p:grpSpPr>
+        <a:xfrm>
+          <a:off x="0" y="0"/>
+          <a:ext cx="0" cy="0"/>
+          <a:chOff x="0" y="0"/>
+          <a:chExt cx="0" cy="0"/>
+        </a:xfrm>
+      </p:grpSpPr>
+      <p:pic>
+        <p:nvPicPr>
+          <p:cNvPr id="15" name="内容占位符 14"/>
+          <p:cNvPicPr>
+            <a:picLocks noGrp="1" noChangeAspect="1"/>
+          </p:cNvPicPr>
+          <p:nvPr>
+            <p:ph idx="1"/>
+          </p:nvPr>
+        </p:nvPicPr>
+        <p:blipFill>
+          <a:blip r:embed="rId2">
+            <a:extLst>
+              <a:ext uri="{28A0092B-C50C-407E-A947-70E740481C1C}">
+                <a14:useLocalDpi xmlns:a14="http://schemas.microsoft.com/office/drawing/2010/main" val="0"/>
+              </a:ext>
+            </a:extLst>
+          </a:blip>
+          <a:stretch>
+            <a:fillRect/>
+          </a:stretch>
+        </p:blipFill>
+        <p:spPr>
+          <a:xfrm>
+            <a:off x="-5953" y="0"/>
+            <a:ext cx="12197953" cy="6858000"/>
+          </a:xfrm>
+        </p:spPr>
+      </p:pic>
+      <p:grpSp>
+        <p:nvGrpSpPr>
+          <p:cNvPr id="13" name="组合 12"/>
+          <p:cNvGrpSpPr/>
+          <p:nvPr/>
+        </p:nvGrpSpPr>
+        <p:grpSpPr>
+          <a:xfrm>
+            <a:off x="2847547" y="1235440"/>
+            <a:ext cx="6490952" cy="3640146"/>
+            <a:chOff x="2305318" y="1143582"/>
+            <a:chExt cx="7765960" cy="4584879"/>
+          </a:xfrm>
+        </p:grpSpPr>
+        <p:sp>
+          <p:nvSpPr>
+            <p:cNvPr id="8" name="矩形 7"/>
+            <p:cNvSpPr/>
+            <p:nvPr/>
+          </p:nvSpPr>
+          <p:spPr>
+            <a:xfrm>
+              <a:off x="2408348" y="1268361"/>
+              <a:ext cx="7559899" cy="4380266"/>
+            </a:xfrm>
+            <a:prstGeom prst="rect">
+              <a:avLst/>
+            </a:prstGeom>
+            <a:noFill/>
+            <a:ln w="28575">
+              <a:solidFill>
+                <a:schemeClr val="bg1"/>
+              </a:solidFill>
+            </a:ln>
+          </p:spPr>
+          <p:style>
+            <a:lnRef idx="2">
+              <a:schemeClr val="accent1">
+                <a:shade val="50000"/>
+              </a:schemeClr>
+            </a:lnRef>
+            <a:fillRef idx="1">
+              <a:schemeClr val="accent1"/>
+            </a:fillRef>
+            <a:effectRef idx="0">
+              <a:schemeClr val="accent1"/>
+            </a:effectRef>
+            <a:fontRef idx="minor">
+              <a:schemeClr val="lt1"/>
+            </a:fontRef>
+          </p:style>
+          <p:txBody>
+            <a:bodyPr rtlCol="0" anchor="ctr"/>
+            <a:lstStyle/>
+            <a:p>
+              <a:pPr algn="ctr"/>
+              <a:endParaRPr lang="zh-CN" altLang="en-US"/>
+            </a:p>
+          </p:txBody>
+        </p:sp>
+        <p:sp>
+          <p:nvSpPr>
+            <p:cNvPr id="7" name="矩形 6"/>
+            <p:cNvSpPr/>
+            <p:nvPr/>
+          </p:nvSpPr>
+          <p:spPr>
+            <a:xfrm>
+              <a:off x="2305318" y="1143582"/>
+              <a:ext cx="7765960" cy="4584879"/>
+            </a:xfrm>
+            <a:prstGeom prst="rect">
+              <a:avLst/>
+            </a:prstGeom>
+            <a:solidFill>
+              <a:schemeClr val="bg1">
+                <a:alpha val="50000"/>
+              </a:schemeClr>
+            </a:solidFill>
+            <a:ln w="76200">
+              <a:solidFill>
+                <a:schemeClr val="bg1"/>
+              </a:solidFill>
+            </a:ln>
+          </p:spPr>
+          <p:style>
+            <a:lnRef idx="2">
+              <a:schemeClr val="accent1">
+                <a:shade val="50000"/>
+              </a:schemeClr>
+            </a:lnRef>
+            <a:fillRef idx="1">
+              <a:schemeClr val="accent1"/>
+            </a:fillRef>
+            <a:effectRef idx="0">
+              <a:schemeClr val="accent1"/>
+            </a:effectRef>
+            <a:fontRef idx="minor">
+              <a:schemeClr val="lt1"/>
+            </a:fontRef>
+          </p:style>
+          <p:txBody>
+            <a:bodyPr rtlCol="0" anchor="ctr"/>
+            <a:lstStyle/>
+            <a:p>
+              <a:pPr algn="ctr"/>
+              <a:endParaRPr lang="zh-CN" altLang="en-US" dirty="0"/>
+            </a:p>
+          </p:txBody>
+        </p:sp>
+      </p:grpSp>
+      <p:sp>
+        <p:nvSpPr>
+          <p:cNvPr id="9" name="文本框 8"/>
+          <p:cNvSpPr txBox="1"/>
+          <p:nvPr/>
+        </p:nvSpPr>
+        <p:spPr>
+          <a:xfrm>
+            <a:off x="3455371" y="1701406"/>
+            <a:ext cx="5359711" cy="769441"/>
+          </a:xfrm>
+          <a:prstGeom prst="rect">
+            <a:avLst/>
+          </a:prstGeom>
+          <a:noFill/>
+        </p:spPr>
+        <p:txBody>
+          <a:bodyPr wrap="square" rtlCol="0">
+            <a:spAutoFit/>
+          </a:bodyPr>
+          <a:lstStyle/>
+          <a:p>
+            <a:pPr algn="ctr"/>
+            <a:r>
+              <a:rPr lang="zh-CN" altLang="en-US" sz="4400" b="1" dirty="0" smtClean="0">
+                <a:solidFill>
+                  <a:schemeClr val="bg1"/>
+                </a:solidFill>
+                <a:latin typeface="黑体-繁" panose="040F0700000000000000" pitchFamily="82" charset="-122"/>
+                <a:ea typeface="黑体-繁" panose="040F0700000000000000" pitchFamily="82" charset="-122"/>
+                <a:cs typeface="黑体-繁" panose="040F0700000000000000" pitchFamily="82" charset="-122"/>
+              </a:rPr>
+              <a:t>欢迎参加心理学实验</a:t>
+            </a:r>
+            <a:endParaRPr lang="zh-CN" altLang="en-US" sz="4400" b="1" dirty="0">
+              <a:solidFill>
+                <a:schemeClr val="bg1"/>
+              </a:solidFill>
+              <a:latin typeface="黑体-繁" panose="040F0700000000000000" pitchFamily="82" charset="-122"/>
+              <a:ea typeface="黑体-繁" panose="040F0700000000000000" pitchFamily="82" charset="-122"/>
+              <a:cs typeface="黑体-繁" panose="040F0700000000000000" pitchFamily="82" charset="-122"/>
+            </a:endParaRPr>
+          </a:p>
+        </p:txBody>
+      </p:sp>
+      <p:sp>
+        <p:nvSpPr>
+          <p:cNvPr id="10" name="文本框 9"/>
+          <p:cNvSpPr txBox="1"/>
+          <p:nvPr/>
+        </p:nvSpPr>
+        <p:spPr>
+          <a:xfrm>
+            <a:off x="3370963" y="2721834"/>
+            <a:ext cx="5444119" cy="1865126"/>
+          </a:xfrm>
+          <a:prstGeom prst="rect">
+            <a:avLst/>
+          </a:prstGeom>
+          <a:noFill/>
+        </p:spPr>
+        <p:txBody>
+          <a:bodyPr wrap="none" rtlCol="0">
+            <a:spAutoFit/>
+          </a:bodyPr>
+          <a:lstStyle/>
+          <a:p>
+            <a:pPr algn="ctr">
+              <a:lnSpc>
+                <a:spcPct val="120000"/>
+              </a:lnSpc>
+            </a:pPr>
+            <a:r>
+              <a:rPr lang="zh-CN" altLang="en-US" sz="2400" b="1" dirty="0" smtClean="0">
+                <a:solidFill>
+                  <a:schemeClr val="bg1"/>
+                </a:solidFill>
+                <a:latin typeface="迷你简卡通" panose="03000509000000000000" pitchFamily="65" charset="-122"/>
+                <a:ea typeface="迷你简卡通" panose="03000509000000000000" pitchFamily="65" charset="-122"/>
+              </a:rPr>
+              <a:t>这是一个有关审美能力的实验</a:t>
+            </a:r>
+            <a:endParaRPr lang="en-US" altLang="zh-CN" sz="2400" b="1" dirty="0" smtClean="0">
+              <a:solidFill>
+                <a:schemeClr val="bg1"/>
+              </a:solidFill>
+              <a:latin typeface="迷你简卡通" panose="03000509000000000000" pitchFamily="65" charset="-122"/>
+              <a:ea typeface="迷你简卡通" panose="03000509000000000000" pitchFamily="65" charset="-122"/>
+            </a:endParaRPr>
+          </a:p>
+          <a:p>
+            <a:pPr algn="ctr">
+              <a:lnSpc>
+                <a:spcPct val="120000"/>
+              </a:lnSpc>
+            </a:pPr>
+            <a:r>
+              <a:rPr lang="zh-CN" altLang="en-US" sz="2400" b="1" dirty="0" smtClean="0">
+                <a:solidFill>
+                  <a:schemeClr val="bg1"/>
+                </a:solidFill>
+                <a:latin typeface="迷你简卡通" panose="03000509000000000000" pitchFamily="65" charset="-122"/>
+                <a:ea typeface="迷你简卡通" panose="03000509000000000000" pitchFamily="65" charset="-122"/>
+              </a:rPr>
+              <a:t>请判断当前界面是否美观</a:t>
+            </a:r>
+            <a:endParaRPr lang="en-US" altLang="zh-CN" sz="2400" b="1" dirty="0" smtClean="0">
+              <a:solidFill>
+                <a:schemeClr val="bg1"/>
+              </a:solidFill>
+              <a:latin typeface="迷你简卡通" panose="03000509000000000000" pitchFamily="65" charset="-122"/>
+              <a:ea typeface="迷你简卡通" panose="03000509000000000000" pitchFamily="65" charset="-122"/>
+            </a:endParaRPr>
+          </a:p>
+          <a:p>
+            <a:pPr algn="ctr">
+              <a:lnSpc>
+                <a:spcPct val="120000"/>
+              </a:lnSpc>
+            </a:pPr>
+            <a:r>
+              <a:rPr lang="zh-CN" altLang="en-US" sz="2400" b="1" dirty="0" smtClean="0">
+                <a:solidFill>
+                  <a:schemeClr val="bg1"/>
+                </a:solidFill>
+                <a:latin typeface="迷你简卡通" panose="03000509000000000000" pitchFamily="65" charset="-122"/>
+                <a:ea typeface="迷你简卡通" panose="03000509000000000000" pitchFamily="65" charset="-122"/>
+              </a:rPr>
+              <a:t>若美观请按空格，若不美观请继续观看</a:t>
+            </a:r>
+            <a:endParaRPr lang="en-US" altLang="zh-CN" sz="2400" b="1" dirty="0" smtClean="0">
+              <a:solidFill>
+                <a:schemeClr val="bg1"/>
+              </a:solidFill>
+              <a:latin typeface="迷你简卡通" panose="03000509000000000000" pitchFamily="65" charset="-122"/>
+              <a:ea typeface="迷你简卡通" panose="03000509000000000000" pitchFamily="65" charset="-122"/>
+            </a:endParaRPr>
+          </a:p>
+          <a:p>
+            <a:pPr algn="ctr">
+              <a:lnSpc>
+                <a:spcPct val="120000"/>
+              </a:lnSpc>
+            </a:pPr>
+            <a:r>
+              <a:rPr lang="zh-CN" altLang="en-US" sz="2400" b="1" dirty="0" smtClean="0">
+                <a:solidFill>
+                  <a:schemeClr val="bg1"/>
+                </a:solidFill>
+                <a:latin typeface="迷你简卡通" panose="03000509000000000000" pitchFamily="65" charset="-122"/>
+                <a:ea typeface="迷你简卡通" panose="03000509000000000000" pitchFamily="65" charset="-122"/>
+              </a:rPr>
+              <a:t>按空格键继续</a:t>
+            </a:r>
+            <a:endParaRPr lang="zh-CN" altLang="en-US" sz="2400" b="1" dirty="0">
+              <a:solidFill>
+                <a:schemeClr val="bg1"/>
+              </a:solidFill>
+              <a:latin typeface="迷你简卡通" panose="03000509000000000000" pitchFamily="65" charset="-122"/>
+              <a:ea typeface="迷你简卡通" panose="03000509000000000000" pitchFamily="65" charset="-122"/>
+            </a:endParaRPr>
+          </a:p>
+        </p:txBody>
+      </p:sp>
+    </p:spTree>
+    <p:extLst>
+      <p:ext uri="{BB962C8B-B14F-4D97-AF65-F5344CB8AC3E}">
+        <p14:creationId xmlns:p14="http://schemas.microsoft.com/office/powerpoint/2010/main" val="2179193864"/>
+      </p:ext>
+    </p:extLst>
+  </p:cSld>
+  <p:clrMapOvr>
+    <a:masterClrMapping/>
+  </p:clrMapOvr>
+  <p:timing>
+    <p:tnLst>
+      <p:par>
+        <p:cTn id="1" dur="indefinite" restart="never" nodeType="tmRoot"/>
+      </p:par>
+    </p:tnLst>
+  </p:timing>
+</p:sld>
+</file>
+
+<file path=ppt/slides/slide19.xml><?xml version="1.0" encoding="utf-8"?>
+<p:sld xmlns:a="http://schemas.openxmlformats.org/drawingml/2006/main" xmlns:r="http://schemas.openxmlformats.org/officeDocument/2006/relationships" xmlns:p="http://schemas.openxmlformats.org/presentationml/2006/main">
+  <p:cSld>
+    <p:spTree>
+      <p:nvGrpSpPr>
+        <p:cNvPr id="1" name=""/>
+        <p:cNvGrpSpPr/>
+        <p:nvPr/>
+      </p:nvGrpSpPr>
+      <p:grpSpPr>
+        <a:xfrm>
+          <a:off x="0" y="0"/>
+          <a:ext cx="0" cy="0"/>
+          <a:chOff x="0" y="0"/>
+          <a:chExt cx="0" cy="0"/>
+        </a:xfrm>
+      </p:grpSpPr>
+      <p:pic>
+        <p:nvPicPr>
+          <p:cNvPr id="13" name="图片 12"/>
+          <p:cNvPicPr>
+            <a:picLocks noChangeAspect="1"/>
+          </p:cNvPicPr>
+          <p:nvPr/>
+        </p:nvPicPr>
+        <p:blipFill>
+          <a:blip r:embed="rId2">
+            <a:extLst>
+              <a:ext uri="{28A0092B-C50C-407E-A947-70E740481C1C}">
+                <a14:useLocalDpi xmlns:a14="http://schemas.microsoft.com/office/drawing/2010/main" val="0"/>
+              </a:ext>
+            </a:extLst>
+          </a:blip>
+          <a:stretch>
+            <a:fillRect/>
+          </a:stretch>
+        </p:blipFill>
+        <p:spPr>
+          <a:xfrm>
+            <a:off x="0" y="3347"/>
+            <a:ext cx="12192000" cy="6854653"/>
+          </a:xfrm>
+          <a:prstGeom prst="rect">
+            <a:avLst/>
+          </a:prstGeom>
+        </p:spPr>
+      </p:pic>
+      <p:sp>
+        <p:nvSpPr>
+          <p:cNvPr id="10" name="梯形 9"/>
+          <p:cNvSpPr>
+            <a:spLocks/>
+          </p:cNvSpPr>
+          <p:nvPr/>
+        </p:nvSpPr>
+        <p:spPr>
+          <a:xfrm rot="10800000">
+            <a:off x="1572257" y="3347"/>
+            <a:ext cx="9047486" cy="6858000"/>
+          </a:xfrm>
+          <a:prstGeom prst="trapezoid">
+            <a:avLst/>
+          </a:prstGeom>
+          <a:solidFill>
+            <a:schemeClr val="bg1">
+              <a:alpha val="50000"/>
+            </a:schemeClr>
+          </a:solidFill>
+          <a:ln>
+            <a:solidFill>
+              <a:schemeClr val="bg1"/>
+            </a:solidFill>
+          </a:ln>
+        </p:spPr>
+        <p:style>
+          <a:lnRef idx="2">
+            <a:schemeClr val="accent1">
+              <a:shade val="50000"/>
+            </a:schemeClr>
+          </a:lnRef>
+          <a:fillRef idx="1">
+            <a:schemeClr val="accent1"/>
+          </a:fillRef>
+          <a:effectRef idx="0">
+            <a:schemeClr val="accent1"/>
+          </a:effectRef>
+          <a:fontRef idx="minor">
+            <a:schemeClr val="lt1"/>
+          </a:fontRef>
+        </p:style>
+        <p:txBody>
+          <a:bodyPr rtlCol="0" anchor="ctr"/>
+          <a:lstStyle/>
+          <a:p>
+            <a:pPr algn="ctr"/>
+            <a:endParaRPr lang="zh-CN" altLang="en-US" dirty="0"/>
+          </a:p>
+        </p:txBody>
+      </p:sp>
+      <p:sp>
+        <p:nvSpPr>
+          <p:cNvPr id="8" name="矩形 7"/>
+          <p:cNvSpPr/>
+          <p:nvPr/>
+        </p:nvSpPr>
+        <p:spPr>
+          <a:xfrm>
+            <a:off x="3019425" y="1053613"/>
+            <a:ext cx="6153145" cy="958134"/>
+          </a:xfrm>
+          <a:prstGeom prst="rect">
+            <a:avLst/>
+          </a:prstGeom>
+          <a:noFill/>
+          <a:ln w="28575">
+            <a:solidFill>
+              <a:schemeClr val="bg1"/>
+            </a:solidFill>
+          </a:ln>
+        </p:spPr>
+        <p:style>
+          <a:lnRef idx="2">
+            <a:schemeClr val="accent1">
+              <a:shade val="50000"/>
+            </a:schemeClr>
+          </a:lnRef>
+          <a:fillRef idx="1">
+            <a:schemeClr val="accent1"/>
+          </a:fillRef>
+          <a:effectRef idx="0">
+            <a:schemeClr val="accent1"/>
+          </a:effectRef>
+          <a:fontRef idx="minor">
+            <a:schemeClr val="lt1"/>
+          </a:fontRef>
+        </p:style>
+        <p:txBody>
+          <a:bodyPr rtlCol="0" anchor="ctr"/>
+          <a:lstStyle/>
+          <a:p>
+            <a:pPr algn="ctr"/>
+            <a:endParaRPr lang="zh-CN" altLang="en-US"/>
+          </a:p>
+        </p:txBody>
+      </p:sp>
+      <p:sp>
+        <p:nvSpPr>
+          <p:cNvPr id="11" name="文本框 10"/>
+          <p:cNvSpPr txBox="1"/>
+          <p:nvPr/>
+        </p:nvSpPr>
+        <p:spPr>
+          <a:xfrm>
+            <a:off x="3110245" y="1147960"/>
+            <a:ext cx="5971507" cy="769441"/>
+          </a:xfrm>
+          <a:prstGeom prst="rect">
+            <a:avLst/>
+          </a:prstGeom>
+          <a:noFill/>
+        </p:spPr>
+        <p:txBody>
+          <a:bodyPr wrap="none" rtlCol="0">
+            <a:spAutoFit/>
+          </a:bodyPr>
+          <a:lstStyle/>
+          <a:p>
+            <a:r>
+              <a:rPr lang="zh-CN" altLang="en-US" sz="4400" dirty="0" smtClean="0">
+                <a:solidFill>
+                  <a:schemeClr val="bg1"/>
+                </a:solidFill>
+                <a:latin typeface="黑体-繁" panose="040F0700000000000000" pitchFamily="82" charset="-122"/>
+                <a:ea typeface="黑体-繁" panose="040F0700000000000000" pitchFamily="82" charset="-122"/>
+                <a:cs typeface="黑体-繁" panose="040F0700000000000000" pitchFamily="82" charset="-122"/>
+              </a:rPr>
+              <a:t>感谢您参与我们的实验</a:t>
+            </a:r>
+            <a:endParaRPr lang="zh-CN" altLang="en-US" sz="4400" dirty="0">
+              <a:solidFill>
+                <a:schemeClr val="bg1"/>
+              </a:solidFill>
+              <a:latin typeface="黑体-繁" panose="040F0700000000000000" pitchFamily="82" charset="-122"/>
+              <a:ea typeface="黑体-繁" panose="040F0700000000000000" pitchFamily="82" charset="-122"/>
+              <a:cs typeface="黑体-繁" panose="040F0700000000000000" pitchFamily="82" charset="-122"/>
+            </a:endParaRPr>
+          </a:p>
+        </p:txBody>
+      </p:sp>
+      <p:sp>
+        <p:nvSpPr>
+          <p:cNvPr id="2" name="文本框 1"/>
+          <p:cNvSpPr txBox="1"/>
+          <p:nvPr/>
+        </p:nvSpPr>
+        <p:spPr>
+          <a:xfrm>
+            <a:off x="5080334" y="2260642"/>
+            <a:ext cx="2031325" cy="461665"/>
+          </a:xfrm>
+          <a:prstGeom prst="rect">
+            <a:avLst/>
+          </a:prstGeom>
+          <a:noFill/>
+        </p:spPr>
+        <p:txBody>
+          <a:bodyPr wrap="none" rtlCol="0">
+            <a:spAutoFit/>
+          </a:bodyPr>
+          <a:lstStyle/>
+          <a:p>
+            <a:r>
+              <a:rPr lang="zh-CN" altLang="en-US" sz="2400" dirty="0" smtClean="0">
+                <a:solidFill>
+                  <a:schemeClr val="bg1"/>
+                </a:solidFill>
+                <a:latin typeface="迷你简卡通" panose="03000509000000000000" pitchFamily="65" charset="-122"/>
+                <a:ea typeface="迷你简卡通" panose="03000509000000000000" pitchFamily="65" charset="-122"/>
+              </a:rPr>
+              <a:t>按空格键退出</a:t>
+            </a:r>
+            <a:endParaRPr lang="zh-CN" altLang="en-US" sz="2400" dirty="0">
+              <a:solidFill>
+                <a:schemeClr val="bg1"/>
+              </a:solidFill>
+              <a:latin typeface="迷你简卡通" panose="03000509000000000000" pitchFamily="65" charset="-122"/>
+              <a:ea typeface="迷你简卡通" panose="03000509000000000000" pitchFamily="65" charset="-122"/>
+            </a:endParaRPr>
+          </a:p>
+        </p:txBody>
+      </p:sp>
+    </p:spTree>
+    <p:extLst>
+      <p:ext uri="{BB962C8B-B14F-4D97-AF65-F5344CB8AC3E}">
+        <p14:creationId xmlns:p14="http://schemas.microsoft.com/office/powerpoint/2010/main" val="490592369"/>
       </p:ext>
     </p:extLst>
   </p:cSld>
@@ -6108,14 +6683,7 @@
                 <a:latin typeface="仿宋" panose="02010609060101010101" pitchFamily="49" charset="-122"/>
                 <a:ea typeface="仿宋" panose="02010609060101010101" pitchFamily="49" charset="-122"/>
               </a:rPr>
-              <a:t>如何让程序更加正规（注视点，呈现时间随机</a:t>
-            </a:r>
-            <a:r>
-              <a:rPr lang="zh-CN" altLang="en-US" sz="3600" dirty="0" smtClean="0">
-                <a:latin typeface="仿宋" panose="02010609060101010101" pitchFamily="49" charset="-122"/>
-                <a:ea typeface="仿宋" panose="02010609060101010101" pitchFamily="49" charset="-122"/>
-              </a:rPr>
-              <a:t>）</a:t>
+              <a:t>如何让程序更加正规（注视点，呈现时间随机）</a:t>
             </a:r>
             <a:endParaRPr lang="en-US" altLang="zh-CN" sz="3600" dirty="0" smtClean="0">
               <a:latin typeface="仿宋" panose="02010609060101010101" pitchFamily="49" charset="-122"/>
@@ -6155,14 +6723,7 @@
                 <a:latin typeface="仿宋" panose="02010609060101010101" pitchFamily="49" charset="-122"/>
                 <a:ea typeface="仿宋" panose="02010609060101010101" pitchFamily="49" charset="-122"/>
               </a:rPr>
-              <a:t> 让指导语更漂亮，更</a:t>
-            </a:r>
-            <a:r>
-              <a:rPr lang="zh-CN" altLang="en-US" sz="3600" dirty="0" smtClean="0">
-                <a:latin typeface="仿宋" panose="02010609060101010101" pitchFamily="49" charset="-122"/>
-                <a:ea typeface="仿宋" panose="02010609060101010101" pitchFamily="49" charset="-122"/>
-              </a:rPr>
-              <a:t>专业</a:t>
+              <a:t> 让指导语更漂亮，更专业</a:t>
             </a:r>
             <a:endParaRPr lang="en-US" altLang="zh-CN" sz="3600" dirty="0" smtClean="0">
               <a:latin typeface="仿宋" panose="02010609060101010101" pitchFamily="49" charset="-122"/>
